--- a/voltaggio nel neurone Pietro Mihelj.pptx
+++ b/voltaggio nel neurone Pietro Mihelj.pptx
@@ -13,9 +13,12 @@
     <p:sldId id="262" r:id="rId7"/>
     <p:sldId id="263" r:id="rId8"/>
     <p:sldId id="264" r:id="rId9"/>
-    <p:sldId id="265" r:id="rId10"/>
-    <p:sldId id="266" r:id="rId11"/>
-    <p:sldId id="267" r:id="rId12"/>
+    <p:sldId id="268" r:id="rId10"/>
+    <p:sldId id="270" r:id="rId11"/>
+    <p:sldId id="269" r:id="rId12"/>
+    <p:sldId id="265" r:id="rId13"/>
+    <p:sldId id="266" r:id="rId14"/>
+    <p:sldId id="267" r:id="rId15"/>
   </p:sldIdLst>
   <p:sldSz cx="12192000" cy="6858000"/>
   <p:notesSz cx="6858000" cy="9144000"/>
@@ -269,7 +272,7 @@
           <a:p>
             <a:fld id="{2C7A4F89-D304-4A49-ABA9-5488561BF167}" type="datetimeFigureOut">
               <a:rPr lang="it-IT" smtClean="0"/>
-              <a:t>28/01/2025</a:t>
+              <a:t>01/02/2025</a:t>
             </a:fld>
             <a:endParaRPr lang="it-IT"/>
           </a:p>
@@ -467,7 +470,7 @@
           <a:p>
             <a:fld id="{2C7A4F89-D304-4A49-ABA9-5488561BF167}" type="datetimeFigureOut">
               <a:rPr lang="it-IT" smtClean="0"/>
-              <a:t>28/01/2025</a:t>
+              <a:t>01/02/2025</a:t>
             </a:fld>
             <a:endParaRPr lang="it-IT"/>
           </a:p>
@@ -675,7 +678,7 @@
           <a:p>
             <a:fld id="{2C7A4F89-D304-4A49-ABA9-5488561BF167}" type="datetimeFigureOut">
               <a:rPr lang="it-IT" smtClean="0"/>
-              <a:t>28/01/2025</a:t>
+              <a:t>01/02/2025</a:t>
             </a:fld>
             <a:endParaRPr lang="it-IT"/>
           </a:p>
@@ -873,7 +876,7 @@
           <a:p>
             <a:fld id="{2C7A4F89-D304-4A49-ABA9-5488561BF167}" type="datetimeFigureOut">
               <a:rPr lang="it-IT" smtClean="0"/>
-              <a:t>28/01/2025</a:t>
+              <a:t>01/02/2025</a:t>
             </a:fld>
             <a:endParaRPr lang="it-IT"/>
           </a:p>
@@ -1148,7 +1151,7 @@
           <a:p>
             <a:fld id="{2C7A4F89-D304-4A49-ABA9-5488561BF167}" type="datetimeFigureOut">
               <a:rPr lang="it-IT" smtClean="0"/>
-              <a:t>28/01/2025</a:t>
+              <a:t>01/02/2025</a:t>
             </a:fld>
             <a:endParaRPr lang="it-IT"/>
           </a:p>
@@ -1413,7 +1416,7 @@
           <a:p>
             <a:fld id="{2C7A4F89-D304-4A49-ABA9-5488561BF167}" type="datetimeFigureOut">
               <a:rPr lang="it-IT" smtClean="0"/>
-              <a:t>28/01/2025</a:t>
+              <a:t>01/02/2025</a:t>
             </a:fld>
             <a:endParaRPr lang="it-IT"/>
           </a:p>
@@ -1825,7 +1828,7 @@
           <a:p>
             <a:fld id="{2C7A4F89-D304-4A49-ABA9-5488561BF167}" type="datetimeFigureOut">
               <a:rPr lang="it-IT" smtClean="0"/>
-              <a:t>28/01/2025</a:t>
+              <a:t>01/02/2025</a:t>
             </a:fld>
             <a:endParaRPr lang="it-IT"/>
           </a:p>
@@ -1966,7 +1969,7 @@
           <a:p>
             <a:fld id="{2C7A4F89-D304-4A49-ABA9-5488561BF167}" type="datetimeFigureOut">
               <a:rPr lang="it-IT" smtClean="0"/>
-              <a:t>28/01/2025</a:t>
+              <a:t>01/02/2025</a:t>
             </a:fld>
             <a:endParaRPr lang="it-IT"/>
           </a:p>
@@ -2079,7 +2082,7 @@
           <a:p>
             <a:fld id="{2C7A4F89-D304-4A49-ABA9-5488561BF167}" type="datetimeFigureOut">
               <a:rPr lang="it-IT" smtClean="0"/>
-              <a:t>28/01/2025</a:t>
+              <a:t>01/02/2025</a:t>
             </a:fld>
             <a:endParaRPr lang="it-IT"/>
           </a:p>
@@ -2390,7 +2393,7 @@
           <a:p>
             <a:fld id="{2C7A4F89-D304-4A49-ABA9-5488561BF167}" type="datetimeFigureOut">
               <a:rPr lang="it-IT" smtClean="0"/>
-              <a:t>28/01/2025</a:t>
+              <a:t>01/02/2025</a:t>
             </a:fld>
             <a:endParaRPr lang="it-IT"/>
           </a:p>
@@ -2678,7 +2681,7 @@
           <a:p>
             <a:fld id="{2C7A4F89-D304-4A49-ABA9-5488561BF167}" type="datetimeFigureOut">
               <a:rPr lang="it-IT" smtClean="0"/>
-              <a:t>28/01/2025</a:t>
+              <a:t>01/02/2025</a:t>
             </a:fld>
             <a:endParaRPr lang="it-IT"/>
           </a:p>
@@ -2919,7 +2922,7 @@
           <a:p>
             <a:fld id="{2C7A4F89-D304-4A49-ABA9-5488561BF167}" type="datetimeFigureOut">
               <a:rPr lang="it-IT" smtClean="0"/>
-              <a:t>28/01/2025</a:t>
+              <a:t>01/02/2025</a:t>
             </a:fld>
             <a:endParaRPr lang="it-IT"/>
           </a:p>
@@ -3441,7 +3444,7 @@
           <p:cNvPr id="2" name="Titolo 1">
             <a:extLst>
               <a:ext uri="{FF2B5EF4-FFF2-40B4-BE49-F238E27FC236}">
-                <a16:creationId xmlns:a16="http://schemas.microsoft.com/office/drawing/2014/main" id="{20AB3654-768C-9383-34F1-A082EB3E4353}"/>
+                <a16:creationId xmlns:a16="http://schemas.microsoft.com/office/drawing/2014/main" id="{F02CB4F4-E2F8-D62B-175D-6D3D19B8580C}"/>
               </a:ext>
             </a:extLst>
           </p:cNvPr>
@@ -3454,8 +3457,8 @@
         </p:nvSpPr>
         <p:spPr>
           <a:xfrm>
-            <a:off x="839788" y="234498"/>
-            <a:ext cx="4222069" cy="516618"/>
+            <a:off x="839788" y="365126"/>
+            <a:ext cx="4428898" cy="592818"/>
           </a:xfrm>
         </p:spPr>
         <p:txBody>
@@ -3465,55 +3468,65 @@
           <a:lstStyle/>
           <a:p>
             <a:r>
-              <a:rPr lang="it-IT" sz="4000"/>
-              <a:t>Parametri e equilibri</a:t>
-            </a:r>
-            <a:endParaRPr lang="it-IT" sz="4000" dirty="0"/>
-          </a:p>
-        </p:txBody>
-      </p:sp>
-      <p:sp>
-        <p:nvSpPr>
-          <p:cNvPr id="3" name="Segnaposto testo 2">
-            <a:extLst>
-              <a:ext uri="{FF2B5EF4-FFF2-40B4-BE49-F238E27FC236}">
-                <a16:creationId xmlns:a16="http://schemas.microsoft.com/office/drawing/2014/main" id="{58955E44-79F1-0FA4-E3C7-02D07EAB3F6A}"/>
-              </a:ext>
-            </a:extLst>
-          </p:cNvPr>
-          <p:cNvSpPr>
-            <a:spLocks noGrp="1"/>
-          </p:cNvSpPr>
-          <p:nvPr>
-            <p:ph type="body" idx="1"/>
-          </p:nvPr>
-        </p:nvSpPr>
-        <p:spPr>
-          <a:xfrm>
-            <a:off x="839788" y="751116"/>
-            <a:ext cx="9404123" cy="333375"/>
+              <a:rPr lang="it-IT" sz="4000" dirty="0"/>
+              <a:t>Equilibri e corrente </a:t>
+            </a:r>
+            <a:r>
+              <a:rPr lang="it-IT" sz="2400" dirty="0"/>
+              <a:t>(2)</a:t>
+            </a:r>
+          </a:p>
+        </p:txBody>
+      </p:sp>
+      <p:sp>
+        <p:nvSpPr>
+          <p:cNvPr id="5" name="Segnaposto testo 4">
+            <a:extLst>
+              <a:ext uri="{FF2B5EF4-FFF2-40B4-BE49-F238E27FC236}">
+                <a16:creationId xmlns:a16="http://schemas.microsoft.com/office/drawing/2014/main" id="{F43C0EA4-DB15-179B-D02A-1DA92759D18F}"/>
+              </a:ext>
+            </a:extLst>
+          </p:cNvPr>
+          <p:cNvSpPr>
+            <a:spLocks noGrp="1"/>
+          </p:cNvSpPr>
+          <p:nvPr>
+            <p:ph type="body" sz="quarter" idx="3"/>
+          </p:nvPr>
+        </p:nvSpPr>
+        <p:spPr>
+          <a:xfrm>
+            <a:off x="839787" y="1082449"/>
+            <a:ext cx="10111241" cy="387122"/>
           </a:xfrm>
         </p:spPr>
         <p:txBody>
           <a:bodyPr>
-            <a:normAutofit lnSpcReduction="10000"/>
+            <a:normAutofit/>
           </a:bodyPr>
           <a:lstStyle/>
           <a:p>
             <a:r>
-              <a:rPr lang="it-IT" sz="1800" b="0"/>
-              <a:t>Valori maggiori delle conduttanze favoriscono l’equilibrio unico </a:t>
-            </a:r>
-            <a:endParaRPr lang="it-IT" sz="1800" b="0" dirty="0"/>
+              <a:rPr lang="it-IT" sz="1800" b="0" dirty="0"/>
+              <a:t>Grafici di fase per uno stesso punto iniziale mostrano come cambia l’equilibrio a </a:t>
+            </a:r>
+            <a:r>
+              <a:rPr lang="it-IT" sz="1800" b="0" dirty="0" err="1"/>
+              <a:t>cuì</a:t>
+            </a:r>
+            <a:r>
+              <a:rPr lang="it-IT" sz="1800" b="0" dirty="0"/>
+              <a:t> si tende</a:t>
+            </a:r>
           </a:p>
         </p:txBody>
       </p:sp>
       <p:pic>
         <p:nvPicPr>
-          <p:cNvPr id="8" name="Segnaposto contenuto 7">
-            <a:extLst>
-              <a:ext uri="{FF2B5EF4-FFF2-40B4-BE49-F238E27FC236}">
-                <a16:creationId xmlns:a16="http://schemas.microsoft.com/office/drawing/2014/main" id="{2F804A75-88F4-2078-283C-3E36C2C363B9}"/>
+          <p:cNvPr id="7" name="Segnaposto contenuto 6">
+            <a:extLst>
+              <a:ext uri="{FF2B5EF4-FFF2-40B4-BE49-F238E27FC236}">
+                <a16:creationId xmlns:a16="http://schemas.microsoft.com/office/drawing/2014/main" id="{15C63287-20B5-05BB-C68B-9915FAE14B93}"/>
               </a:ext>
             </a:extLst>
           </p:cNvPr>
@@ -3532,17 +3545,20 @@
         </p:blipFill>
         <p:spPr>
           <a:xfrm>
-            <a:off x="175759" y="1267734"/>
-            <a:ext cx="5862860" cy="2659110"/>
-          </a:xfrm>
+            <a:off x="596105" y="1469571"/>
+            <a:ext cx="6994669" cy="2296885"/>
+          </a:xfrm>
+          <a:prstGeom prst="rect">
+            <a:avLst/>
+          </a:prstGeom>
         </p:spPr>
       </p:pic>
       <p:pic>
         <p:nvPicPr>
-          <p:cNvPr id="13" name="Segnaposto contenuto 12">
-            <a:extLst>
-              <a:ext uri="{FF2B5EF4-FFF2-40B4-BE49-F238E27FC236}">
-                <a16:creationId xmlns:a16="http://schemas.microsoft.com/office/drawing/2014/main" id="{ADDA5195-0597-1444-4D82-3F7933AFA437}"/>
+          <p:cNvPr id="8" name="Segnaposto contenuto 7">
+            <a:extLst>
+              <a:ext uri="{FF2B5EF4-FFF2-40B4-BE49-F238E27FC236}">
+                <a16:creationId xmlns:a16="http://schemas.microsoft.com/office/drawing/2014/main" id="{E7C55327-C071-F41B-B7F5-4DEF276B8D73}"/>
               </a:ext>
             </a:extLst>
           </p:cNvPr>
@@ -3561,8 +3577,208 @@
         </p:blipFill>
         <p:spPr>
           <a:xfrm>
-            <a:off x="6128973" y="1257196"/>
-            <a:ext cx="5844077" cy="2680186"/>
+            <a:off x="3912109" y="4044253"/>
+            <a:ext cx="7514738" cy="2448621"/>
+          </a:xfrm>
+          <a:prstGeom prst="rect">
+            <a:avLst/>
+          </a:prstGeom>
+        </p:spPr>
+      </p:pic>
+    </p:spTree>
+    <p:extLst>
+      <p:ext uri="{BB962C8B-B14F-4D97-AF65-F5344CB8AC3E}">
+        <p14:creationId xmlns:p14="http://schemas.microsoft.com/office/powerpoint/2010/main" val="3446845059"/>
+      </p:ext>
+    </p:extLst>
+  </p:cSld>
+  <p:clrMapOvr>
+    <a:masterClrMapping/>
+  </p:clrMapOvr>
+</p:sld>
+</file>
+
+<file path=ppt/slides/slide11.xml><?xml version="1.0" encoding="utf-8"?>
+<p:sld xmlns:a="http://schemas.openxmlformats.org/drawingml/2006/main" xmlns:r="http://schemas.openxmlformats.org/officeDocument/2006/relationships" xmlns:p="http://schemas.openxmlformats.org/presentationml/2006/main">
+  <p:cSld>
+    <p:spTree>
+      <p:nvGrpSpPr>
+        <p:cNvPr id="1" name=""/>
+        <p:cNvGrpSpPr/>
+        <p:nvPr/>
+      </p:nvGrpSpPr>
+      <p:grpSpPr>
+        <a:xfrm>
+          <a:off x="0" y="0"/>
+          <a:ext cx="0" cy="0"/>
+          <a:chOff x="0" y="0"/>
+          <a:chExt cx="0" cy="0"/>
+        </a:xfrm>
+      </p:grpSpPr>
+      <p:sp>
+        <p:nvSpPr>
+          <p:cNvPr id="2" name="Titolo 1">
+            <a:extLst>
+              <a:ext uri="{FF2B5EF4-FFF2-40B4-BE49-F238E27FC236}">
+                <a16:creationId xmlns:a16="http://schemas.microsoft.com/office/drawing/2014/main" id="{D1C3AE52-7542-3EEB-FC2D-912758FC584D}"/>
+              </a:ext>
+            </a:extLst>
+          </p:cNvPr>
+          <p:cNvSpPr>
+            <a:spLocks noGrp="1"/>
+          </p:cNvSpPr>
+          <p:nvPr>
+            <p:ph type="title"/>
+          </p:nvPr>
+        </p:nvSpPr>
+        <p:spPr>
+          <a:xfrm>
+            <a:off x="839788" y="365125"/>
+            <a:ext cx="4919328" cy="823913"/>
+          </a:xfrm>
+        </p:spPr>
+        <p:txBody>
+          <a:bodyPr>
+            <a:normAutofit/>
+          </a:bodyPr>
+          <a:lstStyle/>
+          <a:p>
+            <a:r>
+              <a:rPr lang="it-IT" b="0" i="0" u="none" strike="noStrike" dirty="0">
+                <a:effectLst/>
+                <a:latin typeface="Arial" panose="020B0604020202020204" pitchFamily="34" charset="0"/>
+              </a:rPr>
+              <a:t>MULTISTABILITA’</a:t>
+            </a:r>
+            <a:endParaRPr lang="it-IT" dirty="0"/>
+          </a:p>
+        </p:txBody>
+      </p:sp>
+      <p:sp>
+        <p:nvSpPr>
+          <p:cNvPr id="3" name="Segnaposto testo 2">
+            <a:extLst>
+              <a:ext uri="{FF2B5EF4-FFF2-40B4-BE49-F238E27FC236}">
+                <a16:creationId xmlns:a16="http://schemas.microsoft.com/office/drawing/2014/main" id="{832ECE7F-127E-99FC-E59E-822313F41818}"/>
+              </a:ext>
+            </a:extLst>
+          </p:cNvPr>
+          <p:cNvSpPr>
+            <a:spLocks noGrp="1"/>
+          </p:cNvSpPr>
+          <p:nvPr>
+            <p:ph type="body" idx="1"/>
+          </p:nvPr>
+        </p:nvSpPr>
+        <p:spPr>
+          <a:xfrm>
+            <a:off x="836612" y="1320575"/>
+            <a:ext cx="1511526" cy="365351"/>
+          </a:xfrm>
+        </p:spPr>
+        <p:txBody>
+          <a:bodyPr>
+            <a:normAutofit fontScale="92500" lnSpcReduction="20000"/>
+          </a:bodyPr>
+          <a:lstStyle/>
+          <a:p>
+            <a:r>
+              <a:rPr lang="it-IT" b="0" dirty="0"/>
+              <a:t>V0 = -50</a:t>
+            </a:r>
+          </a:p>
+        </p:txBody>
+      </p:sp>
+      <p:pic>
+        <p:nvPicPr>
+          <p:cNvPr id="8" name="Segnaposto contenuto 7">
+            <a:extLst>
+              <a:ext uri="{FF2B5EF4-FFF2-40B4-BE49-F238E27FC236}">
+                <a16:creationId xmlns:a16="http://schemas.microsoft.com/office/drawing/2014/main" id="{8ABA90F8-6985-BC56-0796-D011EF21DF1B}"/>
+              </a:ext>
+            </a:extLst>
+          </p:cNvPr>
+          <p:cNvPicPr>
+            <a:picLocks noGrp="1" noChangeAspect="1"/>
+          </p:cNvPicPr>
+          <p:nvPr>
+            <p:ph sz="half" idx="2"/>
+          </p:nvPr>
+        </p:nvPicPr>
+        <p:blipFill>
+          <a:blip r:embed="rId2"/>
+          <a:stretch>
+            <a:fillRect/>
+          </a:stretch>
+        </p:blipFill>
+        <p:spPr>
+          <a:xfrm>
+            <a:off x="175759" y="2027296"/>
+            <a:ext cx="5482552" cy="1489964"/>
+          </a:xfrm>
+        </p:spPr>
+      </p:pic>
+      <p:sp>
+        <p:nvSpPr>
+          <p:cNvPr id="5" name="Segnaposto testo 4">
+            <a:extLst>
+              <a:ext uri="{FF2B5EF4-FFF2-40B4-BE49-F238E27FC236}">
+                <a16:creationId xmlns:a16="http://schemas.microsoft.com/office/drawing/2014/main" id="{532264D7-A225-0E4C-D232-6EF8E8E68874}"/>
+              </a:ext>
+            </a:extLst>
+          </p:cNvPr>
+          <p:cNvSpPr>
+            <a:spLocks noGrp="1"/>
+          </p:cNvSpPr>
+          <p:nvPr>
+            <p:ph type="body" sz="quarter" idx="3"/>
+          </p:nvPr>
+        </p:nvSpPr>
+        <p:spPr>
+          <a:xfrm>
+            <a:off x="6825343" y="1323979"/>
+            <a:ext cx="1219200" cy="365351"/>
+          </a:xfrm>
+        </p:spPr>
+        <p:txBody>
+          <a:bodyPr>
+            <a:normAutofit fontScale="92500" lnSpcReduction="20000"/>
+          </a:bodyPr>
+          <a:lstStyle/>
+          <a:p>
+            <a:r>
+              <a:rPr lang="it-IT" b="0" dirty="0"/>
+              <a:t>V0 = -65</a:t>
+            </a:r>
+          </a:p>
+        </p:txBody>
+      </p:sp>
+      <p:pic>
+        <p:nvPicPr>
+          <p:cNvPr id="13" name="Segnaposto contenuto 12">
+            <a:extLst>
+              <a:ext uri="{FF2B5EF4-FFF2-40B4-BE49-F238E27FC236}">
+                <a16:creationId xmlns:a16="http://schemas.microsoft.com/office/drawing/2014/main" id="{3D383DA3-F7F3-37AA-D699-98A2FD83D446}"/>
+              </a:ext>
+            </a:extLst>
+          </p:cNvPr>
+          <p:cNvPicPr>
+            <a:picLocks noGrp="1" noChangeAspect="1"/>
+          </p:cNvPicPr>
+          <p:nvPr>
+            <p:ph sz="quarter" idx="4"/>
+          </p:nvPr>
+        </p:nvPicPr>
+        <p:blipFill>
+          <a:blip r:embed="rId3"/>
+          <a:stretch>
+            <a:fillRect/>
+          </a:stretch>
+        </p:blipFill>
+        <p:spPr>
+          <a:xfrm>
+            <a:off x="6408616" y="2008538"/>
+            <a:ext cx="5482551" cy="1556294"/>
           </a:xfrm>
         </p:spPr>
       </p:pic>
@@ -3571,7 +3787,7 @@
           <p:cNvPr id="11" name="Immagine 10">
             <a:extLst>
               <a:ext uri="{FF2B5EF4-FFF2-40B4-BE49-F238E27FC236}">
-                <a16:creationId xmlns:a16="http://schemas.microsoft.com/office/drawing/2014/main" id="{9469479C-BB2C-2B94-DC37-2EC411BC21E0}"/>
+                <a16:creationId xmlns:a16="http://schemas.microsoft.com/office/drawing/2014/main" id="{C3A6708E-03C0-6931-F62D-A6E8AC01F43D}"/>
               </a:ext>
             </a:extLst>
           </p:cNvPr>
@@ -3588,8 +3804,8 @@
         </p:blipFill>
         <p:spPr>
           <a:xfrm>
-            <a:off x="156585" y="3926843"/>
-            <a:ext cx="5906444" cy="2659109"/>
+            <a:off x="276564" y="4071315"/>
+            <a:ext cx="5482552" cy="1792927"/>
           </a:xfrm>
           <a:prstGeom prst="rect">
             <a:avLst/>
@@ -3598,10 +3814,10 @@
       </p:pic>
       <p:pic>
         <p:nvPicPr>
-          <p:cNvPr id="19" name="Immagine 18">
-            <a:extLst>
-              <a:ext uri="{FF2B5EF4-FFF2-40B4-BE49-F238E27FC236}">
-                <a16:creationId xmlns:a16="http://schemas.microsoft.com/office/drawing/2014/main" id="{B4B09016-B71C-8811-337C-5302A4A60970}"/>
+          <p:cNvPr id="16" name="Immagine 15">
+            <a:extLst>
+              <a:ext uri="{FF2B5EF4-FFF2-40B4-BE49-F238E27FC236}">
+                <a16:creationId xmlns:a16="http://schemas.microsoft.com/office/drawing/2014/main" id="{5E4C9B0A-3E61-0D1D-A3D6-78D91FAAA2FA}"/>
               </a:ext>
             </a:extLst>
           </p:cNvPr>
@@ -3618,8 +3834,481 @@
         </p:blipFill>
         <p:spPr>
           <a:xfrm>
+            <a:off x="6432885" y="4071315"/>
+            <a:ext cx="5482551" cy="1810276"/>
+          </a:xfrm>
+          <a:prstGeom prst="rect">
+            <a:avLst/>
+          </a:prstGeom>
+        </p:spPr>
+      </p:pic>
+    </p:spTree>
+    <p:extLst>
+      <p:ext uri="{BB962C8B-B14F-4D97-AF65-F5344CB8AC3E}">
+        <p14:creationId xmlns:p14="http://schemas.microsoft.com/office/powerpoint/2010/main" val="1420179296"/>
+      </p:ext>
+    </p:extLst>
+  </p:cSld>
+  <p:clrMapOvr>
+    <a:masterClrMapping/>
+  </p:clrMapOvr>
+</p:sld>
+</file>
+
+<file path=ppt/slides/slide12.xml><?xml version="1.0" encoding="utf-8"?>
+<p:sld xmlns:a="http://schemas.openxmlformats.org/drawingml/2006/main" xmlns:r="http://schemas.openxmlformats.org/officeDocument/2006/relationships" xmlns:p="http://schemas.openxmlformats.org/presentationml/2006/main">
+  <p:cSld>
+    <p:spTree>
+      <p:nvGrpSpPr>
+        <p:cNvPr id="1" name=""/>
+        <p:cNvGrpSpPr/>
+        <p:nvPr/>
+      </p:nvGrpSpPr>
+      <p:grpSpPr>
+        <a:xfrm>
+          <a:off x="0" y="0"/>
+          <a:ext cx="0" cy="0"/>
+          <a:chOff x="0" y="0"/>
+          <a:chExt cx="0" cy="0"/>
+        </a:xfrm>
+      </p:grpSpPr>
+      <p:sp>
+        <p:nvSpPr>
+          <p:cNvPr id="2" name="Titolo 1">
+            <a:extLst>
+              <a:ext uri="{FF2B5EF4-FFF2-40B4-BE49-F238E27FC236}">
+                <a16:creationId xmlns:a16="http://schemas.microsoft.com/office/drawing/2014/main" id="{306946BD-B3CE-0B10-F562-DA00BAAB6D56}"/>
+              </a:ext>
+            </a:extLst>
+          </p:cNvPr>
+          <p:cNvSpPr>
+            <a:spLocks noGrp="1"/>
+          </p:cNvSpPr>
+          <p:nvPr>
+            <p:ph type="title"/>
+          </p:nvPr>
+        </p:nvSpPr>
+        <p:spPr>
+          <a:xfrm>
+            <a:off x="839788" y="365126"/>
+            <a:ext cx="4624841" cy="527504"/>
+          </a:xfrm>
+        </p:spPr>
+        <p:txBody>
+          <a:bodyPr>
+            <a:noAutofit/>
+          </a:bodyPr>
+          <a:lstStyle/>
+          <a:p>
+            <a:r>
+              <a:rPr lang="it-IT" sz="4000" dirty="0"/>
+              <a:t>Parametri e equilibri</a:t>
+            </a:r>
+          </a:p>
+        </p:txBody>
+      </p:sp>
+      <p:sp>
+        <p:nvSpPr>
+          <p:cNvPr id="3" name="Segnaposto testo 2">
+            <a:extLst>
+              <a:ext uri="{FF2B5EF4-FFF2-40B4-BE49-F238E27FC236}">
+                <a16:creationId xmlns:a16="http://schemas.microsoft.com/office/drawing/2014/main" id="{547BEC57-A2AC-FBCD-757B-E3DC6158065D}"/>
+              </a:ext>
+            </a:extLst>
+          </p:cNvPr>
+          <p:cNvSpPr>
+            <a:spLocks noGrp="1"/>
+          </p:cNvSpPr>
+          <p:nvPr>
+            <p:ph type="body" idx="1"/>
+          </p:nvPr>
+        </p:nvSpPr>
+        <p:spPr>
+          <a:xfrm>
+            <a:off x="839788" y="892630"/>
+            <a:ext cx="10177349" cy="370113"/>
+          </a:xfrm>
+        </p:spPr>
+        <p:txBody>
+          <a:bodyPr>
+            <a:normAutofit/>
+          </a:bodyPr>
+          <a:lstStyle/>
+          <a:p>
+            <a:r>
+              <a:rPr lang="it-IT" sz="1800" b="0" dirty="0"/>
+              <a:t>Potenziali inversi più estremi (</a:t>
+            </a:r>
+            <a:r>
+              <a:rPr lang="it-IT" sz="1800" b="0" dirty="0" err="1"/>
+              <a:t>ENa</a:t>
+            </a:r>
+            <a:r>
+              <a:rPr lang="it-IT" sz="1800" b="0" dirty="0"/>
+              <a:t>, </a:t>
+            </a:r>
+            <a:r>
+              <a:rPr lang="it-IT" sz="1800" b="0" dirty="0" err="1"/>
+              <a:t>Ek</a:t>
+            </a:r>
+            <a:r>
+              <a:rPr lang="it-IT" sz="1800" b="0" dirty="0"/>
+              <a:t>, El) accrescono il bacino di attrazione dell’equilibrio unico </a:t>
+            </a:r>
+          </a:p>
+        </p:txBody>
+      </p:sp>
+      <p:pic>
+        <p:nvPicPr>
+          <p:cNvPr id="14" name="Immagine 13">
+            <a:extLst>
+              <a:ext uri="{FF2B5EF4-FFF2-40B4-BE49-F238E27FC236}">
+                <a16:creationId xmlns:a16="http://schemas.microsoft.com/office/drawing/2014/main" id="{4242340E-CBD7-DE91-BE54-BBD1660E85D4}"/>
+              </a:ext>
+            </a:extLst>
+          </p:cNvPr>
+          <p:cNvPicPr>
+            <a:picLocks noChangeAspect="1"/>
+          </p:cNvPicPr>
+          <p:nvPr/>
+        </p:nvPicPr>
+        <p:blipFill>
+          <a:blip r:embed="rId2"/>
+          <a:stretch>
+            <a:fillRect/>
+          </a:stretch>
+        </p:blipFill>
+        <p:spPr>
+          <a:xfrm>
+            <a:off x="122380" y="3963329"/>
+            <a:ext cx="5758747" cy="2616900"/>
+          </a:xfrm>
+          <a:prstGeom prst="rect">
+            <a:avLst/>
+          </a:prstGeom>
+        </p:spPr>
+      </p:pic>
+      <p:pic>
+        <p:nvPicPr>
+          <p:cNvPr id="17" name="Immagine 16">
+            <a:extLst>
+              <a:ext uri="{FF2B5EF4-FFF2-40B4-BE49-F238E27FC236}">
+                <a16:creationId xmlns:a16="http://schemas.microsoft.com/office/drawing/2014/main" id="{C0B9664F-8668-D092-1F04-0125071F60CC}"/>
+              </a:ext>
+            </a:extLst>
+          </p:cNvPr>
+          <p:cNvPicPr>
+            <a:picLocks noChangeAspect="1"/>
+          </p:cNvPicPr>
+          <p:nvPr/>
+        </p:nvPicPr>
+        <p:blipFill>
+          <a:blip r:embed="rId3"/>
+          <a:stretch>
+            <a:fillRect/>
+          </a:stretch>
+        </p:blipFill>
+        <p:spPr>
+          <a:xfrm>
+            <a:off x="6095999" y="3963329"/>
+            <a:ext cx="5973621" cy="2616900"/>
+          </a:xfrm>
+          <a:prstGeom prst="rect">
+            <a:avLst/>
+          </a:prstGeom>
+        </p:spPr>
+      </p:pic>
+      <p:pic>
+        <p:nvPicPr>
+          <p:cNvPr id="5" name="Immagine 4">
+            <a:extLst>
+              <a:ext uri="{FF2B5EF4-FFF2-40B4-BE49-F238E27FC236}">
+                <a16:creationId xmlns:a16="http://schemas.microsoft.com/office/drawing/2014/main" id="{458EF44D-4650-A58A-5C9F-5F7656C0512C}"/>
+              </a:ext>
+            </a:extLst>
+          </p:cNvPr>
+          <p:cNvPicPr>
+            <a:picLocks noChangeAspect="1"/>
+          </p:cNvPicPr>
+          <p:nvPr/>
+        </p:nvPicPr>
+        <p:blipFill>
+          <a:blip r:embed="rId4"/>
+          <a:stretch>
+            <a:fillRect/>
+          </a:stretch>
+        </p:blipFill>
+        <p:spPr>
+          <a:xfrm>
+            <a:off x="122380" y="1301021"/>
+            <a:ext cx="5758746" cy="2620465"/>
+          </a:xfrm>
+          <a:prstGeom prst="rect">
+            <a:avLst/>
+          </a:prstGeom>
+        </p:spPr>
+      </p:pic>
+      <p:pic>
+        <p:nvPicPr>
+          <p:cNvPr id="10" name="Immagine 9">
+            <a:extLst>
+              <a:ext uri="{FF2B5EF4-FFF2-40B4-BE49-F238E27FC236}">
+                <a16:creationId xmlns:a16="http://schemas.microsoft.com/office/drawing/2014/main" id="{3995E9E5-0FF4-618D-56C7-2AE2A419D89E}"/>
+              </a:ext>
+            </a:extLst>
+          </p:cNvPr>
+          <p:cNvPicPr>
+            <a:picLocks noChangeAspect="1"/>
+          </p:cNvPicPr>
+          <p:nvPr/>
+        </p:nvPicPr>
+        <p:blipFill>
+          <a:blip r:embed="rId5"/>
+          <a:stretch>
+            <a:fillRect/>
+          </a:stretch>
+        </p:blipFill>
+        <p:spPr>
+          <a:xfrm>
+            <a:off x="6095998" y="1301021"/>
+            <a:ext cx="5973620" cy="2695414"/>
+          </a:xfrm>
+          <a:prstGeom prst="rect">
+            <a:avLst/>
+          </a:prstGeom>
+        </p:spPr>
+      </p:pic>
+    </p:spTree>
+    <p:extLst>
+      <p:ext uri="{BB962C8B-B14F-4D97-AF65-F5344CB8AC3E}">
+        <p14:creationId xmlns:p14="http://schemas.microsoft.com/office/powerpoint/2010/main" val="1367712441"/>
+      </p:ext>
+    </p:extLst>
+  </p:cSld>
+  <p:clrMapOvr>
+    <a:masterClrMapping/>
+  </p:clrMapOvr>
+</p:sld>
+</file>
+
+<file path=ppt/slides/slide13.xml><?xml version="1.0" encoding="utf-8"?>
+<p:sld xmlns:a="http://schemas.openxmlformats.org/drawingml/2006/main" xmlns:r="http://schemas.openxmlformats.org/officeDocument/2006/relationships" xmlns:p="http://schemas.openxmlformats.org/presentationml/2006/main">
+  <p:cSld>
+    <p:spTree>
+      <p:nvGrpSpPr>
+        <p:cNvPr id="1" name=""/>
+        <p:cNvGrpSpPr/>
+        <p:nvPr/>
+      </p:nvGrpSpPr>
+      <p:grpSpPr>
+        <a:xfrm>
+          <a:off x="0" y="0"/>
+          <a:ext cx="0" cy="0"/>
+          <a:chOff x="0" y="0"/>
+          <a:chExt cx="0" cy="0"/>
+        </a:xfrm>
+      </p:grpSpPr>
+      <p:sp>
+        <p:nvSpPr>
+          <p:cNvPr id="2" name="Titolo 1">
+            <a:extLst>
+              <a:ext uri="{FF2B5EF4-FFF2-40B4-BE49-F238E27FC236}">
+                <a16:creationId xmlns:a16="http://schemas.microsoft.com/office/drawing/2014/main" id="{20AB3654-768C-9383-34F1-A082EB3E4353}"/>
+              </a:ext>
+            </a:extLst>
+          </p:cNvPr>
+          <p:cNvSpPr>
+            <a:spLocks noGrp="1"/>
+          </p:cNvSpPr>
+          <p:nvPr>
+            <p:ph type="title"/>
+          </p:nvPr>
+        </p:nvSpPr>
+        <p:spPr>
+          <a:xfrm>
+            <a:off x="839788" y="234498"/>
+            <a:ext cx="4222069" cy="516618"/>
+          </a:xfrm>
+        </p:spPr>
+        <p:txBody>
+          <a:bodyPr>
+            <a:normAutofit fontScale="90000"/>
+          </a:bodyPr>
+          <a:lstStyle/>
+          <a:p>
+            <a:r>
+              <a:rPr lang="it-IT" sz="4000"/>
+              <a:t>Parametri e equilibri</a:t>
+            </a:r>
+            <a:endParaRPr lang="it-IT" sz="4000" dirty="0"/>
+          </a:p>
+        </p:txBody>
+      </p:sp>
+      <p:sp>
+        <p:nvSpPr>
+          <p:cNvPr id="3" name="Segnaposto testo 2">
+            <a:extLst>
+              <a:ext uri="{FF2B5EF4-FFF2-40B4-BE49-F238E27FC236}">
+                <a16:creationId xmlns:a16="http://schemas.microsoft.com/office/drawing/2014/main" id="{58955E44-79F1-0FA4-E3C7-02D07EAB3F6A}"/>
+              </a:ext>
+            </a:extLst>
+          </p:cNvPr>
+          <p:cNvSpPr>
+            <a:spLocks noGrp="1"/>
+          </p:cNvSpPr>
+          <p:nvPr>
+            <p:ph type="body" idx="1"/>
+          </p:nvPr>
+        </p:nvSpPr>
+        <p:spPr>
+          <a:xfrm>
+            <a:off x="839788" y="751116"/>
+            <a:ext cx="9404123" cy="333375"/>
+          </a:xfrm>
+        </p:spPr>
+        <p:txBody>
+          <a:bodyPr>
+            <a:normAutofit lnSpcReduction="10000"/>
+          </a:bodyPr>
+          <a:lstStyle/>
+          <a:p>
+            <a:r>
+              <a:rPr lang="it-IT" sz="1800" b="0" dirty="0"/>
+              <a:t>Valori maggiori delle conduttanze (</a:t>
+            </a:r>
+            <a:r>
+              <a:rPr lang="it-IT" sz="1800" b="0" dirty="0" err="1"/>
+              <a:t>GNa</a:t>
+            </a:r>
+            <a:r>
+              <a:rPr lang="it-IT" sz="1800" b="0" dirty="0"/>
+              <a:t>, </a:t>
+            </a:r>
+            <a:r>
+              <a:rPr lang="it-IT" sz="1800" b="0" dirty="0" err="1"/>
+              <a:t>Gk</a:t>
+            </a:r>
+            <a:r>
+              <a:rPr lang="it-IT" sz="1800" b="0" dirty="0"/>
+              <a:t>, Gl)  favoriscono l’equilibrio unico </a:t>
+            </a:r>
+          </a:p>
+        </p:txBody>
+      </p:sp>
+      <p:pic>
+        <p:nvPicPr>
+          <p:cNvPr id="11" name="Immagine 10">
+            <a:extLst>
+              <a:ext uri="{FF2B5EF4-FFF2-40B4-BE49-F238E27FC236}">
+                <a16:creationId xmlns:a16="http://schemas.microsoft.com/office/drawing/2014/main" id="{9469479C-BB2C-2B94-DC37-2EC411BC21E0}"/>
+              </a:ext>
+            </a:extLst>
+          </p:cNvPr>
+          <p:cNvPicPr>
+            <a:picLocks noChangeAspect="1"/>
+          </p:cNvPicPr>
+          <p:nvPr/>
+        </p:nvPicPr>
+        <p:blipFill>
+          <a:blip r:embed="rId2"/>
+          <a:stretch>
+            <a:fillRect/>
+          </a:stretch>
+        </p:blipFill>
+        <p:spPr>
+          <a:xfrm>
+            <a:off x="156585" y="3926843"/>
+            <a:ext cx="5906444" cy="2659109"/>
+          </a:xfrm>
+          <a:prstGeom prst="rect">
+            <a:avLst/>
+          </a:prstGeom>
+        </p:spPr>
+      </p:pic>
+      <p:pic>
+        <p:nvPicPr>
+          <p:cNvPr id="19" name="Immagine 18">
+            <a:extLst>
+              <a:ext uri="{FF2B5EF4-FFF2-40B4-BE49-F238E27FC236}">
+                <a16:creationId xmlns:a16="http://schemas.microsoft.com/office/drawing/2014/main" id="{B4B09016-B71C-8811-337C-5302A4A60970}"/>
+              </a:ext>
+            </a:extLst>
+          </p:cNvPr>
+          <p:cNvPicPr>
+            <a:picLocks noChangeAspect="1"/>
+          </p:cNvPicPr>
+          <p:nvPr/>
+        </p:nvPicPr>
+        <p:blipFill>
+          <a:blip r:embed="rId3"/>
+          <a:stretch>
+            <a:fillRect/>
+          </a:stretch>
+        </p:blipFill>
+        <p:spPr>
+          <a:xfrm>
             <a:off x="6202187" y="3958630"/>
             <a:ext cx="5697648" cy="2578440"/>
+          </a:xfrm>
+          <a:prstGeom prst="rect">
+            <a:avLst/>
+          </a:prstGeom>
+        </p:spPr>
+      </p:pic>
+      <p:pic>
+        <p:nvPicPr>
+          <p:cNvPr id="5" name="Immagine 4">
+            <a:extLst>
+              <a:ext uri="{FF2B5EF4-FFF2-40B4-BE49-F238E27FC236}">
+                <a16:creationId xmlns:a16="http://schemas.microsoft.com/office/drawing/2014/main" id="{A37A48EE-133D-248F-539E-814161343486}"/>
+              </a:ext>
+            </a:extLst>
+          </p:cNvPr>
+          <p:cNvPicPr>
+            <a:picLocks noChangeAspect="1"/>
+          </p:cNvPicPr>
+          <p:nvPr/>
+        </p:nvPicPr>
+        <p:blipFill>
+          <a:blip r:embed="rId4"/>
+          <a:stretch>
+            <a:fillRect/>
+          </a:stretch>
+        </p:blipFill>
+        <p:spPr>
+          <a:xfrm>
+            <a:off x="174365" y="1165574"/>
+            <a:ext cx="5870883" cy="2680186"/>
+          </a:xfrm>
+          <a:prstGeom prst="rect">
+            <a:avLst/>
+          </a:prstGeom>
+        </p:spPr>
+      </p:pic>
+      <p:pic>
+        <p:nvPicPr>
+          <p:cNvPr id="14" name="Immagine 13">
+            <a:extLst>
+              <a:ext uri="{FF2B5EF4-FFF2-40B4-BE49-F238E27FC236}">
+                <a16:creationId xmlns:a16="http://schemas.microsoft.com/office/drawing/2014/main" id="{BDDCA28E-4363-2C3A-6D75-AFABA241740C}"/>
+              </a:ext>
+            </a:extLst>
+          </p:cNvPr>
+          <p:cNvPicPr>
+            <a:picLocks noChangeAspect="1"/>
+          </p:cNvPicPr>
+          <p:nvPr/>
+        </p:nvPicPr>
+        <p:blipFill>
+          <a:blip r:embed="rId5"/>
+          <a:stretch>
+            <a:fillRect/>
+          </a:stretch>
+        </p:blipFill>
+        <p:spPr>
+          <a:xfrm>
+            <a:off x="6202187" y="1181467"/>
+            <a:ext cx="5836147" cy="2680187"/>
           </a:xfrm>
           <a:prstGeom prst="rect">
             <a:avLst/>
@@ -3639,7 +4328,7 @@
 </p:sld>
 </file>
 
-<file path=ppt/slides/slide11.xml><?xml version="1.0" encoding="utf-8"?>
+<file path=ppt/slides/slide14.xml><?xml version="1.0" encoding="utf-8"?>
 <p:sld xmlns:a="http://schemas.openxmlformats.org/drawingml/2006/main" xmlns:r="http://schemas.openxmlformats.org/officeDocument/2006/relationships" xmlns:p="http://schemas.openxmlformats.org/presentationml/2006/main">
   <p:cSld>
     <p:spTree>
@@ -4305,8 +4994,8 @@
           <a:lstStyle/>
           <a:p>
             <a:r>
-              <a:rPr lang="it-IT" sz="2400" b="1" dirty="0"/>
-              <a:t>Ena</a:t>
+              <a:rPr lang="it-IT" sz="2400" b="1" dirty="0" err="1"/>
+              <a:t>ENa</a:t>
             </a:r>
             <a:r>
               <a:rPr lang="it-IT" sz="2400" dirty="0"/>
@@ -5540,10 +6229,9 @@
           <a:lstStyle/>
           <a:p>
             <a:r>
-              <a:rPr lang="it-IT"/>
+              <a:rPr lang="it-IT" dirty="0"/>
               <a:t>Equilibri</a:t>
             </a:r>
-            <a:endParaRPr lang="it-IT" dirty="0"/>
           </a:p>
         </p:txBody>
       </p:sp>
@@ -5735,7 +6423,7 @@
           <p:cNvPr id="2" name="Titolo 1">
             <a:extLst>
               <a:ext uri="{FF2B5EF4-FFF2-40B4-BE49-F238E27FC236}">
-                <a16:creationId xmlns:a16="http://schemas.microsoft.com/office/drawing/2014/main" id="{306946BD-B3CE-0B10-F562-DA00BAAB6D56}"/>
+                <a16:creationId xmlns:a16="http://schemas.microsoft.com/office/drawing/2014/main" id="{CFBF530F-D53F-1F36-6FFD-91E33594EF77}"/>
               </a:ext>
             </a:extLst>
           </p:cNvPr>
@@ -5748,19 +6436,23 @@
         </p:nvSpPr>
         <p:spPr>
           <a:xfrm>
-            <a:off x="839788" y="365126"/>
-            <a:ext cx="4624841" cy="527504"/>
+            <a:off x="784565" y="395409"/>
+            <a:ext cx="4635726" cy="440418"/>
           </a:xfrm>
         </p:spPr>
         <p:txBody>
           <a:bodyPr>
-            <a:noAutofit/>
+            <a:normAutofit fontScale="90000"/>
           </a:bodyPr>
           <a:lstStyle/>
           <a:p>
             <a:r>
-              <a:rPr lang="it-IT" sz="4000" dirty="0"/>
-              <a:t>Parametri e equilibri</a:t>
+              <a:rPr lang="it-IT" dirty="0"/>
+              <a:t>Equilibri e corrente </a:t>
+            </a:r>
+            <a:r>
+              <a:rPr lang="it-IT" sz="2700" dirty="0"/>
+              <a:t>(1)</a:t>
             </a:r>
           </a:p>
         </p:txBody>
@@ -5770,7 +6462,7 @@
           <p:cNvPr id="3" name="Segnaposto testo 2">
             <a:extLst>
               <a:ext uri="{FF2B5EF4-FFF2-40B4-BE49-F238E27FC236}">
-                <a16:creationId xmlns:a16="http://schemas.microsoft.com/office/drawing/2014/main" id="{547BEC57-A2AC-FBCD-757B-E3DC6158065D}"/>
+                <a16:creationId xmlns:a16="http://schemas.microsoft.com/office/drawing/2014/main" id="{B10035B8-2A19-EE47-57D9-AD838416C219}"/>
               </a:ext>
             </a:extLst>
           </p:cNvPr>
@@ -5783,8 +6475,8 @@
         </p:nvSpPr>
         <p:spPr>
           <a:xfrm>
-            <a:off x="839788" y="892630"/>
-            <a:ext cx="10177349" cy="370113"/>
+            <a:off x="784565" y="1380559"/>
+            <a:ext cx="10622869" cy="612858"/>
           </a:xfrm>
         </p:spPr>
         <p:txBody>
@@ -5795,17 +6487,17 @@
           <a:p>
             <a:r>
               <a:rPr lang="it-IT" sz="1800" b="0" dirty="0"/>
-              <a:t>Potenziali inversi più estremi accrescono il bacino di attrazione dell’equilibrio unico </a:t>
+              <a:t>La corrente va a modificare il valore e i bacini di attrazione dei 2 equilibri. Uno stesso punto con correnti esterne diverse finisce in equilibri diversi</a:t>
             </a:r>
           </a:p>
         </p:txBody>
       </p:sp>
       <p:pic>
         <p:nvPicPr>
-          <p:cNvPr id="9" name="Segnaposto contenuto 8">
-            <a:extLst>
-              <a:ext uri="{FF2B5EF4-FFF2-40B4-BE49-F238E27FC236}">
-                <a16:creationId xmlns:a16="http://schemas.microsoft.com/office/drawing/2014/main" id="{FED307BA-9B37-3CF9-BAE1-DEAD76826E3A}"/>
+          <p:cNvPr id="8" name="Segnaposto contenuto 7">
+            <a:extLst>
+              <a:ext uri="{FF2B5EF4-FFF2-40B4-BE49-F238E27FC236}">
+                <a16:creationId xmlns:a16="http://schemas.microsoft.com/office/drawing/2014/main" id="{7ED2ABD1-FDF9-B55B-1A67-3E570BD694FD}"/>
               </a:ext>
             </a:extLst>
           </p:cNvPr>
@@ -5824,26 +6516,24 @@
         </p:blipFill>
         <p:spPr>
           <a:xfrm>
-            <a:off x="122380" y="1304586"/>
-            <a:ext cx="5758747" cy="2616900"/>
+            <a:off x="261823" y="2416629"/>
+            <a:ext cx="5681210" cy="2596460"/>
           </a:xfrm>
         </p:spPr>
       </p:pic>
       <p:pic>
         <p:nvPicPr>
-          <p:cNvPr id="11" name="Segnaposto contenuto 10">
-            <a:extLst>
-              <a:ext uri="{FF2B5EF4-FFF2-40B4-BE49-F238E27FC236}">
-                <a16:creationId xmlns:a16="http://schemas.microsoft.com/office/drawing/2014/main" id="{A9039A65-3F30-4D2E-2724-B45653DD3F3B}"/>
+          <p:cNvPr id="11" name="Immagine 10">
+            <a:extLst>
+              <a:ext uri="{FF2B5EF4-FFF2-40B4-BE49-F238E27FC236}">
+                <a16:creationId xmlns:a16="http://schemas.microsoft.com/office/drawing/2014/main" id="{9E7545EA-A619-7BBC-202F-AAD181342452}"/>
               </a:ext>
             </a:extLst>
           </p:cNvPr>
           <p:cNvPicPr>
-            <a:picLocks noGrp="1" noChangeAspect="1"/>
+            <a:picLocks noChangeAspect="1"/>
           </p:cNvPicPr>
-          <p:nvPr>
-            <p:ph sz="quarter" idx="4"/>
-          </p:nvPr>
+          <p:nvPr/>
         </p:nvPicPr>
         <p:blipFill>
           <a:blip r:embed="rId3"/>
@@ -5853,65 +6543,8 @@
         </p:blipFill>
         <p:spPr>
           <a:xfrm>
-            <a:off x="6095999" y="1304586"/>
-            <a:ext cx="5973621" cy="2616900"/>
-          </a:xfrm>
-        </p:spPr>
-      </p:pic>
-      <p:pic>
-        <p:nvPicPr>
-          <p:cNvPr id="14" name="Immagine 13">
-            <a:extLst>
-              <a:ext uri="{FF2B5EF4-FFF2-40B4-BE49-F238E27FC236}">
-                <a16:creationId xmlns:a16="http://schemas.microsoft.com/office/drawing/2014/main" id="{4242340E-CBD7-DE91-BE54-BBD1660E85D4}"/>
-              </a:ext>
-            </a:extLst>
-          </p:cNvPr>
-          <p:cNvPicPr>
-            <a:picLocks noChangeAspect="1"/>
-          </p:cNvPicPr>
-          <p:nvPr/>
-        </p:nvPicPr>
-        <p:blipFill>
-          <a:blip r:embed="rId4"/>
-          <a:stretch>
-            <a:fillRect/>
-          </a:stretch>
-        </p:blipFill>
-        <p:spPr>
-          <a:xfrm>
-            <a:off x="122380" y="3963329"/>
-            <a:ext cx="5758747" cy="2616900"/>
-          </a:xfrm>
-          <a:prstGeom prst="rect">
-            <a:avLst/>
-          </a:prstGeom>
-        </p:spPr>
-      </p:pic>
-      <p:pic>
-        <p:nvPicPr>
-          <p:cNvPr id="17" name="Immagine 16">
-            <a:extLst>
-              <a:ext uri="{FF2B5EF4-FFF2-40B4-BE49-F238E27FC236}">
-                <a16:creationId xmlns:a16="http://schemas.microsoft.com/office/drawing/2014/main" id="{C0B9664F-8668-D092-1F04-0125071F60CC}"/>
-              </a:ext>
-            </a:extLst>
-          </p:cNvPr>
-          <p:cNvPicPr>
-            <a:picLocks noChangeAspect="1"/>
-          </p:cNvPicPr>
-          <p:nvPr/>
-        </p:nvPicPr>
-        <p:blipFill>
-          <a:blip r:embed="rId5"/>
-          <a:stretch>
-            <a:fillRect/>
-          </a:stretch>
-        </p:blipFill>
-        <p:spPr>
-          <a:xfrm>
-            <a:off x="6095999" y="3963329"/>
-            <a:ext cx="5973621" cy="2616900"/>
+            <a:off x="6248967" y="2460436"/>
+            <a:ext cx="5681210" cy="2552653"/>
           </a:xfrm>
           <a:prstGeom prst="rect">
             <a:avLst/>
@@ -5921,7 +6554,7 @@
     </p:spTree>
     <p:extLst>
       <p:ext uri="{BB962C8B-B14F-4D97-AF65-F5344CB8AC3E}">
-        <p14:creationId xmlns:p14="http://schemas.microsoft.com/office/powerpoint/2010/main" val="1367712441"/>
+        <p14:creationId xmlns:p14="http://schemas.microsoft.com/office/powerpoint/2010/main" val="2713648632"/>
       </p:ext>
     </p:extLst>
   </p:cSld>
